--- a/Case-1-XYZ.pptx
+++ b/Case-1-XYZ.pptx
@@ -9225,7 +9225,7 @@
                 </a:highlight>
                 <a:latin typeface="Lora" panose="020B0604020202020204" charset="0"/>
               </a:rPr>
-              <a:t>reduce</a:t>
+              <a:t>eliminate</a:t>
             </a:r>
             <a:r>
               <a:rPr lang="en-US" sz="2400" i="1" dirty="0">
